--- a/Presentation.pptx
+++ b/Presentation.pptx
@@ -5,7 +5,7 @@
     <p:sldMasterId id="2147483648" r:id="rId1"/>
   </p:sldMasterIdLst>
   <p:notesMasterIdLst>
-    <p:notesMasterId r:id="rId9"/>
+    <p:notesMasterId r:id="rId10"/>
   </p:notesMasterIdLst>
   <p:sldIdLst>
     <p:sldId id="257" r:id="rId2"/>
@@ -15,6 +15,7 @@
     <p:sldId id="260" r:id="rId6"/>
     <p:sldId id="263" r:id="rId7"/>
     <p:sldId id="262" r:id="rId8"/>
+    <p:sldId id="264" r:id="rId9"/>
   </p:sldIdLst>
   <p:sldSz cx="12192000" cy="6858000"/>
   <p:notesSz cx="6858000" cy="9144000"/>
@@ -5316,7 +5317,7 @@
         </p:blipFill>
         <p:spPr>
           <a:xfrm>
-            <a:off x="700054" y="2305847"/>
+            <a:off x="1436837" y="2226906"/>
             <a:ext cx="3996938" cy="3996938"/>
           </a:xfrm>
         </p:spPr>
@@ -5349,7 +5350,7 @@
         </p:blipFill>
         <p:spPr>
           <a:xfrm>
-            <a:off x="6096000" y="2482368"/>
+            <a:off x="6595959" y="2403427"/>
             <a:ext cx="3643895" cy="3643895"/>
           </a:xfrm>
           <a:prstGeom prst="rect">
@@ -5498,6 +5499,154 @@
     <p:extLst>
       <p:ext uri="{BB962C8B-B14F-4D97-AF65-F5344CB8AC3E}">
         <p14:creationId xmlns:p14="http://schemas.microsoft.com/office/powerpoint/2010/main" val="1015780795"/>
+      </p:ext>
+    </p:extLst>
+  </p:cSld>
+  <p:clrMapOvr>
+    <a:masterClrMapping/>
+  </p:clrMapOvr>
+</p:sld>
+</file>
+
+<file path=ppt/slides/slide8.xml><?xml version="1.0" encoding="utf-8"?>
+<p:sld xmlns:a="http://schemas.openxmlformats.org/drawingml/2006/main" xmlns:r="http://schemas.openxmlformats.org/officeDocument/2006/relationships" xmlns:p="http://schemas.openxmlformats.org/presentationml/2006/main">
+  <p:cSld>
+    <p:spTree>
+      <p:nvGrpSpPr>
+        <p:cNvPr id="1" name=""/>
+        <p:cNvGrpSpPr/>
+        <p:nvPr/>
+      </p:nvGrpSpPr>
+      <p:grpSpPr>
+        <a:xfrm>
+          <a:off x="0" y="0"/>
+          <a:ext cx="0" cy="0"/>
+          <a:chOff x="0" y="0"/>
+          <a:chExt cx="0" cy="0"/>
+        </a:xfrm>
+      </p:grpSpPr>
+      <p:sp>
+        <p:nvSpPr>
+          <p:cNvPr id="2" name="Title 1">
+            <a:extLst>
+              <a:ext uri="{FF2B5EF4-FFF2-40B4-BE49-F238E27FC236}">
+                <a16:creationId xmlns:a16="http://schemas.microsoft.com/office/drawing/2014/main" id="{2C72A81D-58A5-474E-9E9F-23A2271E1237}"/>
+              </a:ext>
+            </a:extLst>
+          </p:cNvPr>
+          <p:cNvSpPr>
+            <a:spLocks noGrp="1"/>
+          </p:cNvSpPr>
+          <p:nvPr>
+            <p:ph type="title"/>
+          </p:nvPr>
+        </p:nvSpPr>
+        <p:spPr/>
+        <p:txBody>
+          <a:bodyPr/>
+          <a:lstStyle/>
+          <a:p>
+            <a:r>
+              <a:rPr lang="en-US" dirty="0"/>
+              <a:t>Analyses done on this data</a:t>
+            </a:r>
+          </a:p>
+        </p:txBody>
+      </p:sp>
+      <p:sp>
+        <p:nvSpPr>
+          <p:cNvPr id="3" name="Content Placeholder 2">
+            <a:extLst>
+              <a:ext uri="{FF2B5EF4-FFF2-40B4-BE49-F238E27FC236}">
+                <a16:creationId xmlns:a16="http://schemas.microsoft.com/office/drawing/2014/main" id="{3FFA5B32-B621-432C-9017-9D57C3F5BF49}"/>
+              </a:ext>
+            </a:extLst>
+          </p:cNvPr>
+          <p:cNvSpPr>
+            <a:spLocks noGrp="1"/>
+          </p:cNvSpPr>
+          <p:nvPr>
+            <p:ph idx="1"/>
+          </p:nvPr>
+        </p:nvSpPr>
+        <p:spPr/>
+        <p:txBody>
+          <a:bodyPr>
+            <a:normAutofit fontScale="92500" lnSpcReduction="10000"/>
+          </a:bodyPr>
+          <a:lstStyle/>
+          <a:p>
+            <a:r>
+              <a:rPr lang="en-US" dirty="0"/>
+              <a:t>Data mining, cleaning, collecting appropriate data for analysis (</a:t>
+            </a:r>
+            <a:r>
+              <a:rPr lang="en-US" dirty="0" err="1"/>
+              <a:t>dplyr</a:t>
+            </a:r>
+            <a:r>
+              <a:rPr lang="en-US" dirty="0"/>
+              <a:t> and </a:t>
+            </a:r>
+            <a:r>
+              <a:rPr lang="en-US" dirty="0" err="1"/>
+              <a:t>tidyverse</a:t>
+            </a:r>
+            <a:r>
+              <a:rPr lang="en-US" dirty="0"/>
+              <a:t>). </a:t>
+            </a:r>
+          </a:p>
+          <a:p>
+            <a:r>
+              <a:rPr lang="en-US" dirty="0"/>
+              <a:t>Stacked bar plots</a:t>
+            </a:r>
+          </a:p>
+          <a:p>
+            <a:r>
+              <a:rPr lang="en-US" dirty="0"/>
+              <a:t>Stats tests: Estimated Marginal Means, aka Least-Squares Means, MANOVAs</a:t>
+            </a:r>
+          </a:p>
+          <a:p>
+            <a:r>
+              <a:rPr lang="en-US" dirty="0"/>
+              <a:t>Mutating arrays</a:t>
+            </a:r>
+          </a:p>
+          <a:p>
+            <a:r>
+              <a:rPr lang="en-US" dirty="0"/>
+              <a:t>Multiple correspondence tests</a:t>
+            </a:r>
+          </a:p>
+          <a:p>
+            <a:r>
+              <a:rPr lang="en-US" dirty="0"/>
+              <a:t>More datasets about psychology or occupations </a:t>
+            </a:r>
+            <a:r>
+              <a:rPr lang="en-US" dirty="0" err="1"/>
+              <a:t>ofdifferent</a:t>
+            </a:r>
+            <a:r>
+              <a:rPr lang="en-US" dirty="0"/>
+              <a:t> racial categories may add meaning to the accidents database. To truly understand correlations of </a:t>
+            </a:r>
+          </a:p>
+          <a:p>
+            <a:r>
+              <a:rPr lang="en-US" dirty="0"/>
+              <a:t>Prior experience in generalized mixed models. </a:t>
+            </a:r>
+          </a:p>
+        </p:txBody>
+      </p:sp>
+    </p:spTree>
+    <p:extLst>
+      <p:ext uri="{BB962C8B-B14F-4D97-AF65-F5344CB8AC3E}">
+        <p14:creationId xmlns:p14="http://schemas.microsoft.com/office/powerpoint/2010/main" val="1566886913"/>
       </p:ext>
     </p:extLst>
   </p:cSld>
